--- a/2018/01-January/Microsoft Edmonton UG - Power(shell) to the lazy/intro.pptx
+++ b/2018/01-January/Microsoft Edmonton UG - Power(shell) to the lazy/intro.pptx
@@ -106,6 +106,11 @@
       </a:defRPr>
     </a:lvl9pPr>
   </p:defaultTextStyle>
+  <p:extLst>
+    <p:ext uri="{EFAFB233-063F-42B5-8137-9DF3F51BA10A}">
+      <p15:sldGuideLst xmlns:p15="http://schemas.microsoft.com/office/powerpoint/2012/main"/>
+    </p:ext>
+  </p:extLst>
 </p:presentation>
 </file>
 
@@ -339,7 +344,7 @@
           <a:p>
             <a:fld id="{A13E5E28-F842-491F-BB90-535DF1F71AED}" type="datetimeFigureOut">
               <a:rPr lang="de-DE" smtClean="0"/>
-              <a:t>26.01.2018</a:t>
+              <a:t>08.03.2018</a:t>
             </a:fld>
             <a:endParaRPr lang="de-DE"/>
           </a:p>
@@ -547,7 +552,7 @@
           <a:p>
             <a:fld id="{A13E5E28-F842-491F-BB90-535DF1F71AED}" type="datetimeFigureOut">
               <a:rPr lang="de-DE" smtClean="0"/>
-              <a:t>26.01.2018</a:t>
+              <a:t>08.03.2018</a:t>
             </a:fld>
             <a:endParaRPr lang="de-DE"/>
           </a:p>
@@ -803,7 +808,7 @@
           <a:p>
             <a:fld id="{A13E5E28-F842-491F-BB90-535DF1F71AED}" type="datetimeFigureOut">
               <a:rPr lang="de-DE" smtClean="0"/>
-              <a:t>26.01.2018</a:t>
+              <a:t>08.03.2018</a:t>
             </a:fld>
             <a:endParaRPr lang="de-DE"/>
           </a:p>
@@ -973,7 +978,7 @@
           <a:p>
             <a:fld id="{A13E5E28-F842-491F-BB90-535DF1F71AED}" type="datetimeFigureOut">
               <a:rPr lang="de-DE" smtClean="0"/>
-              <a:t>26.01.2018</a:t>
+              <a:t>08.03.2018</a:t>
             </a:fld>
             <a:endParaRPr lang="de-DE"/>
           </a:p>
@@ -1316,7 +1321,7 @@
           <a:p>
             <a:fld id="{A13E5E28-F842-491F-BB90-535DF1F71AED}" type="datetimeFigureOut">
               <a:rPr lang="de-DE" smtClean="0"/>
-              <a:t>26.01.2018</a:t>
+              <a:t>08.03.2018</a:t>
             </a:fld>
             <a:endParaRPr lang="de-DE"/>
           </a:p>
@@ -1591,7 +1596,7 @@
           <a:p>
             <a:fld id="{A13E5E28-F842-491F-BB90-535DF1F71AED}" type="datetimeFigureOut">
               <a:rPr lang="de-DE" smtClean="0"/>
-              <a:t>26.01.2018</a:t>
+              <a:t>08.03.2018</a:t>
             </a:fld>
             <a:endParaRPr lang="de-DE"/>
           </a:p>
@@ -1970,7 +1975,7 @@
           <a:p>
             <a:fld id="{A13E5E28-F842-491F-BB90-535DF1F71AED}" type="datetimeFigureOut">
               <a:rPr lang="de-DE" smtClean="0"/>
-              <a:t>26.01.2018</a:t>
+              <a:t>08.03.2018</a:t>
             </a:fld>
             <a:endParaRPr lang="de-DE"/>
           </a:p>
@@ -2088,7 +2093,7 @@
           <a:p>
             <a:fld id="{A13E5E28-F842-491F-BB90-535DF1F71AED}" type="datetimeFigureOut">
               <a:rPr lang="de-DE" smtClean="0"/>
-              <a:t>26.01.2018</a:t>
+              <a:t>08.03.2018</a:t>
             </a:fld>
             <a:endParaRPr lang="de-DE"/>
           </a:p>
@@ -2259,7 +2264,7 @@
           <a:p>
             <a:fld id="{A13E5E28-F842-491F-BB90-535DF1F71AED}" type="datetimeFigureOut">
               <a:rPr lang="de-DE" smtClean="0"/>
-              <a:t>26.01.2018</a:t>
+              <a:t>08.03.2018</a:t>
             </a:fld>
             <a:endParaRPr lang="de-DE"/>
           </a:p>
@@ -2613,7 +2618,7 @@
           <a:p>
             <a:fld id="{A13E5E28-F842-491F-BB90-535DF1F71AED}" type="datetimeFigureOut">
               <a:rPr lang="de-DE" smtClean="0"/>
-              <a:t>26.01.2018</a:t>
+              <a:t>08.03.2018</a:t>
             </a:fld>
             <a:endParaRPr lang="de-DE"/>
           </a:p>
@@ -2990,7 +2995,7 @@
           <a:p>
             <a:fld id="{A13E5E28-F842-491F-BB90-535DF1F71AED}" type="datetimeFigureOut">
               <a:rPr lang="de-DE" smtClean="0"/>
-              <a:t>26.01.2018</a:t>
+              <a:t>08.03.2018</a:t>
             </a:fld>
             <a:endParaRPr lang="de-DE"/>
           </a:p>
@@ -3277,7 +3282,7 @@
           <a:p>
             <a:fld id="{A13E5E28-F842-491F-BB90-535DF1F71AED}" type="datetimeFigureOut">
               <a:rPr lang="de-DE" smtClean="0"/>
-              <a:t>26.01.2018</a:t>
+              <a:t>08.03.2018</a:t>
             </a:fld>
             <a:endParaRPr lang="de-DE"/>
           </a:p>
@@ -4165,7 +4170,7 @@
           <a:lstStyle/>
           <a:p>
             <a:r>
-              <a:rPr lang="de-DE"/>
+              <a:rPr lang="de-DE" dirty="0"/>
               <a:t>(With Powerpoint)</a:t>
             </a:r>
           </a:p>
